--- a/ch.bfh.bti7081.s2013.black/doc/taskRepository/1/CS Task 1.pptx
+++ b/ch.bfh.bti7081.s2013.black/doc/taskRepository/1/CS Task 1.pptx
@@ -7,6 +7,10 @@
   <p:sldIdLst>
     <p:sldId id="256" r:id="rId2"/>
     <p:sldId id="257" r:id="rId3"/>
+    <p:sldId id="258" r:id="rId4"/>
+    <p:sldId id="259" r:id="rId5"/>
+    <p:sldId id="260" r:id="rId6"/>
+    <p:sldId id="261" r:id="rId7"/>
   </p:sldIdLst>
   <p:sldSz cx="9144000" cy="6858000" type="screen4x3"/>
   <p:notesSz cx="7010400" cy="9296400"/>
@@ -488,7 +492,7 @@
             <a:fld id="{58FB4290-6522-4139-852E-05BD9E7F0D2E}" type="datetime1">
               <a:rPr lang="en-US" smtClean="0"/>
               <a:pPr/>
-              <a:t>2/28/2013</a:t>
+              <a:t>3/1/2013</a:t>
             </a:fld>
             <a:endParaRPr lang="en-US"/>
           </a:p>
@@ -680,7 +684,7 @@
             <a:fld id="{AAB955F9-81EA-47C5-8059-9E5C2B437C70}" type="datetime1">
               <a:rPr lang="en-US" smtClean="0"/>
               <a:pPr/>
-              <a:t>2/28/2013</a:t>
+              <a:t>3/1/2013</a:t>
             </a:fld>
             <a:endParaRPr lang="en-US"/>
           </a:p>
@@ -2721,7 +2725,7 @@
             <a:fld id="{327B613C-1AD7-49D3-885D-F654C5CDBAA6}" type="datetime1">
               <a:rPr lang="en-US" smtClean="0"/>
               <a:pPr/>
-              <a:t>2/28/2013</a:t>
+              <a:t>3/1/2013</a:t>
             </a:fld>
             <a:endParaRPr lang="en-US" dirty="0"/>
           </a:p>
@@ -3501,33 +3505,33 @@
           <a:lstStyle/>
           <a:p>
             <a:r>
-              <a:rPr lang="de-CH" dirty="0" smtClean="0"/>
+              <a:rPr lang="en-GB" noProof="0" dirty="0" smtClean="0"/>
               <a:t>CS</a:t>
             </a:r>
             <a:r>
-              <a:rPr lang="de-CH" baseline="0" dirty="0" smtClean="0"/>
+              <a:rPr lang="en-GB" baseline="0" noProof="0" dirty="0" smtClean="0"/>
               <a:t> Task 1: First Analysis</a:t>
             </a:r>
+            <a:endParaRPr lang="en-GB" noProof="0" dirty="0"/>
+          </a:p>
+        </p:txBody>
+      </p:sp>
+      <p:sp>
+        <p:nvSpPr>
+          <p:cNvPr id="3" name="Untertitel 2"/>
+          <p:cNvSpPr>
+            <a:spLocks noGrp="1"/>
+          </p:cNvSpPr>
+          <p:nvPr>
+            <p:ph type="subTitle" idx="1"/>
+          </p:nvPr>
+        </p:nvSpPr>
+        <p:spPr/>
+        <p:txBody>
+          <a:bodyPr/>
+          <a:lstStyle/>
+          <a:p>
             <a:endParaRPr lang="de-CH" dirty="0"/>
-          </a:p>
-        </p:txBody>
-      </p:sp>
-      <p:sp>
-        <p:nvSpPr>
-          <p:cNvPr id="3" name="Untertitel 2"/>
-          <p:cNvSpPr>
-            <a:spLocks noGrp="1"/>
-          </p:cNvSpPr>
-          <p:nvPr>
-            <p:ph type="subTitle" idx="1"/>
-          </p:nvPr>
-        </p:nvSpPr>
-        <p:spPr/>
-        <p:txBody>
-          <a:bodyPr/>
-          <a:lstStyle/>
-          <a:p>
-            <a:endParaRPr lang="de-CH"/>
           </a:p>
         </p:txBody>
       </p:sp>
@@ -3608,10 +3612,10 @@
           <a:lstStyle/>
           <a:p>
             <a:r>
-              <a:rPr lang="de-CH" dirty="0" smtClean="0"/>
+              <a:rPr lang="en-GB" noProof="0" dirty="0" smtClean="0"/>
               <a:t>Target Users</a:t>
             </a:r>
-            <a:endParaRPr lang="de-CH" dirty="0"/>
+            <a:endParaRPr lang="en-GB" noProof="0" dirty="0"/>
           </a:p>
         </p:txBody>
       </p:sp>
@@ -3631,67 +3635,43 @@
           <a:lstStyle/>
           <a:p>
             <a:r>
-              <a:rPr lang="de-CH" dirty="0" smtClean="0"/>
-              <a:t>Clinical </a:t>
-            </a:r>
-            <a:r>
-              <a:rPr lang="de-CH" dirty="0" err="1" smtClean="0"/>
-              <a:t>staff</a:t>
-            </a:r>
-            <a:endParaRPr lang="de-CH" dirty="0" smtClean="0"/>
-          </a:p>
-          <a:p>
-            <a:endParaRPr lang="de-CH" dirty="0" smtClean="0"/>
-          </a:p>
-          <a:p>
-            <a:r>
-              <a:rPr lang="de-CH" dirty="0" err="1" smtClean="0"/>
+              <a:rPr lang="en-GB" noProof="0" dirty="0" smtClean="0"/>
+              <a:t>Clinical staff</a:t>
+            </a:r>
+          </a:p>
+          <a:p>
+            <a:endParaRPr lang="en-GB" noProof="0" dirty="0" smtClean="0"/>
+          </a:p>
+          <a:p>
+            <a:r>
+              <a:rPr lang="en-GB" noProof="0" dirty="0" smtClean="0"/>
               <a:t>Receptionists</a:t>
             </a:r>
-            <a:endParaRPr lang="de-CH" dirty="0" smtClean="0"/>
-          </a:p>
-          <a:p>
-            <a:endParaRPr lang="de-CH" dirty="0" smtClean="0"/>
-          </a:p>
-          <a:p>
-            <a:r>
-              <a:rPr lang="de-CH" dirty="0" smtClean="0"/>
+          </a:p>
+          <a:p>
+            <a:endParaRPr lang="en-GB" noProof="0" dirty="0" smtClean="0"/>
+          </a:p>
+          <a:p>
+            <a:r>
+              <a:rPr lang="en-GB" noProof="0" dirty="0" smtClean="0"/>
               <a:t>Medical</a:t>
             </a:r>
             <a:r>
-              <a:rPr lang="de-CH" baseline="0" dirty="0" smtClean="0"/>
-              <a:t> </a:t>
-            </a:r>
-            <a:r>
-              <a:rPr lang="de-CH" baseline="0" dirty="0" err="1" smtClean="0"/>
-              <a:t>records</a:t>
-            </a:r>
-            <a:r>
-              <a:rPr lang="de-CH" baseline="0" dirty="0" smtClean="0"/>
-              <a:t> </a:t>
-            </a:r>
-            <a:r>
-              <a:rPr lang="de-CH" baseline="0" dirty="0" err="1" smtClean="0"/>
-              <a:t>staff</a:t>
-            </a:r>
-            <a:endParaRPr lang="de-CH" baseline="0" dirty="0" smtClean="0"/>
-          </a:p>
-          <a:p>
-            <a:endParaRPr lang="de-CH" baseline="0" dirty="0" smtClean="0"/>
-          </a:p>
-          <a:p>
-            <a:r>
-              <a:rPr lang="de-CH" baseline="0" dirty="0" smtClean="0"/>
-              <a:t>Other </a:t>
-            </a:r>
-            <a:r>
-              <a:rPr lang="de-CH" baseline="0" dirty="0" err="1" smtClean="0"/>
-              <a:t>actors</a:t>
-            </a:r>
-            <a:endParaRPr lang="de-CH" baseline="0" dirty="0" smtClean="0"/>
-          </a:p>
-          <a:p>
-            <a:endParaRPr lang="de-CH" dirty="0"/>
+              <a:rPr lang="en-GB" baseline="0" noProof="0" dirty="0" smtClean="0"/>
+              <a:t> records staff</a:t>
+            </a:r>
+          </a:p>
+          <a:p>
+            <a:endParaRPr lang="en-GB" baseline="0" noProof="0" dirty="0" smtClean="0"/>
+          </a:p>
+          <a:p>
+            <a:r>
+              <a:rPr lang="en-GB" baseline="0" noProof="0" dirty="0" smtClean="0"/>
+              <a:t>Other actors</a:t>
+            </a:r>
+          </a:p>
+          <a:p>
+            <a:endParaRPr lang="en-GB" noProof="0" dirty="0" smtClean="0"/>
           </a:p>
         </p:txBody>
       </p:sp>
@@ -3790,6 +3770,804 @@
       </p:par>
     </p:tnLst>
   </p:timing>
+</p:sld>
+</file>
+
+<file path=ppt/slides/slide3.xml><?xml version="1.0" encoding="utf-8"?>
+<p:sld xmlns:a="http://schemas.openxmlformats.org/drawingml/2006/main" xmlns:r="http://schemas.openxmlformats.org/officeDocument/2006/relationships" xmlns:p="http://schemas.openxmlformats.org/presentationml/2006/main">
+  <p:cSld>
+    <p:spTree>
+      <p:nvGrpSpPr>
+        <p:cNvPr id="1" name=""/>
+        <p:cNvGrpSpPr/>
+        <p:nvPr/>
+      </p:nvGrpSpPr>
+      <p:grpSpPr>
+        <a:xfrm>
+          <a:off x="0" y="0"/>
+          <a:ext cx="0" cy="0"/>
+          <a:chOff x="0" y="0"/>
+          <a:chExt cx="0" cy="0"/>
+        </a:xfrm>
+      </p:grpSpPr>
+      <p:sp>
+        <p:nvSpPr>
+          <p:cNvPr id="2" name="Titel 1"/>
+          <p:cNvSpPr>
+            <a:spLocks noGrp="1"/>
+          </p:cNvSpPr>
+          <p:nvPr>
+            <p:ph type="title"/>
+          </p:nvPr>
+        </p:nvSpPr>
+        <p:spPr/>
+        <p:txBody>
+          <a:bodyPr/>
+          <a:lstStyle/>
+          <a:p>
+            <a:r>
+              <a:rPr lang="en-GB" noProof="0" dirty="0" smtClean="0"/>
+              <a:t>Key features</a:t>
+            </a:r>
+            <a:endParaRPr lang="en-GB" noProof="0" dirty="0"/>
+          </a:p>
+        </p:txBody>
+      </p:sp>
+      <p:sp>
+        <p:nvSpPr>
+          <p:cNvPr id="3" name="Inhaltsplatzhalter 2"/>
+          <p:cNvSpPr>
+            <a:spLocks noGrp="1"/>
+          </p:cNvSpPr>
+          <p:nvPr>
+            <p:ph idx="1"/>
+          </p:nvPr>
+        </p:nvSpPr>
+        <p:spPr/>
+        <p:txBody>
+          <a:bodyPr>
+            <a:normAutofit/>
+          </a:bodyPr>
+          <a:lstStyle/>
+          <a:p>
+            <a:pPr marL="114300" indent="0">
+              <a:buNone/>
+            </a:pPr>
+            <a:r>
+              <a:rPr lang="en-GB" noProof="0" dirty="0" smtClean="0"/>
+              <a:t>From</a:t>
+            </a:r>
+            <a:r>
+              <a:rPr lang="en-GB" baseline="0" noProof="0" dirty="0" smtClean="0"/>
+              <a:t> user’s perspective</a:t>
+            </a:r>
+            <a:endParaRPr lang="en-GB" noProof="0" dirty="0" smtClean="0"/>
+          </a:p>
+          <a:p>
+            <a:r>
+              <a:rPr lang="en-GB" noProof="0" dirty="0" smtClean="0"/>
+              <a:t>Data manipulation</a:t>
+            </a:r>
+          </a:p>
+          <a:p>
+            <a:pPr lvl="1"/>
+            <a:r>
+              <a:rPr lang="en-GB" noProof="0" dirty="0" smtClean="0"/>
+              <a:t>Insert, update, delete</a:t>
+            </a:r>
+            <a:r>
+              <a:rPr lang="en-GB" baseline="0" noProof="0" dirty="0" smtClean="0"/>
+              <a:t> for patient records, treatment, prescriptions</a:t>
+            </a:r>
+          </a:p>
+          <a:p>
+            <a:pPr lvl="1"/>
+            <a:r>
+              <a:rPr lang="en-GB" baseline="0" noProof="0" dirty="0" smtClean="0"/>
+              <a:t>Insert, update, delete for appointments</a:t>
+            </a:r>
+          </a:p>
+          <a:p>
+            <a:pPr lvl="0"/>
+            <a:r>
+              <a:rPr lang="en-GB" noProof="0" dirty="0" smtClean="0"/>
+              <a:t>Reporting/views</a:t>
+            </a:r>
+          </a:p>
+          <a:p>
+            <a:pPr lvl="1"/>
+            <a:r>
+              <a:rPr lang="en-GB" noProof="0" dirty="0" smtClean="0"/>
+              <a:t>Reports for government</a:t>
+            </a:r>
+          </a:p>
+          <a:p>
+            <a:pPr lvl="1"/>
+            <a:r>
+              <a:rPr lang="en-GB" noProof="0" dirty="0" smtClean="0"/>
+              <a:t>Local reports</a:t>
+            </a:r>
+          </a:p>
+          <a:p>
+            <a:pPr lvl="1"/>
+            <a:r>
+              <a:rPr lang="en-GB" noProof="0" dirty="0" smtClean="0"/>
+              <a:t>View</a:t>
+            </a:r>
+            <a:r>
+              <a:rPr lang="en-GB" baseline="0" noProof="0" dirty="0" smtClean="0"/>
+              <a:t> patient records, prescriptions, full history</a:t>
+            </a:r>
+          </a:p>
+          <a:p>
+            <a:pPr lvl="0"/>
+            <a:r>
+              <a:rPr lang="en-GB" noProof="0" dirty="0" smtClean="0"/>
+              <a:t>Various </a:t>
+            </a:r>
+          </a:p>
+          <a:p>
+            <a:pPr lvl="1"/>
+            <a:r>
+              <a:rPr lang="en-GB" noProof="0" dirty="0" smtClean="0"/>
+              <a:t>Features</a:t>
+            </a:r>
+            <a:r>
+              <a:rPr lang="en-GB" baseline="0" noProof="0" dirty="0" smtClean="0"/>
+              <a:t> like print reports, send mails, search </a:t>
+            </a:r>
+          </a:p>
+        </p:txBody>
+      </p:sp>
+      <p:sp>
+        <p:nvSpPr>
+          <p:cNvPr id="4" name="Foliennummernplatzhalter 3"/>
+          <p:cNvSpPr>
+            <a:spLocks noGrp="1"/>
+          </p:cNvSpPr>
+          <p:nvPr>
+            <p:ph type="sldNum" sz="quarter" idx="12"/>
+          </p:nvPr>
+        </p:nvSpPr>
+        <p:spPr/>
+        <p:txBody>
+          <a:bodyPr/>
+          <a:lstStyle/>
+          <a:p>
+            <a:fld id="{6E2D2B3B-882E-40F3-A32F-6DD516915044}" type="slidenum">
+              <a:rPr lang="en-US" smtClean="0"/>
+              <a:pPr/>
+              <a:t>3</a:t>
+            </a:fld>
+            <a:endParaRPr lang="en-US" dirty="0"/>
+          </a:p>
+        </p:txBody>
+      </p:sp>
+    </p:spTree>
+    <p:extLst>
+      <p:ext uri="{BB962C8B-B14F-4D97-AF65-F5344CB8AC3E}">
+        <p14:creationId xmlns:p14="http://schemas.microsoft.com/office/powerpoint/2010/main" val="762037836"/>
+      </p:ext>
+    </p:extLst>
+  </p:cSld>
+  <p:clrMapOvr>
+    <a:masterClrMapping/>
+  </p:clrMapOvr>
+</p:sld>
+</file>
+
+<file path=ppt/slides/slide4.xml><?xml version="1.0" encoding="utf-8"?>
+<p:sld xmlns:a="http://schemas.openxmlformats.org/drawingml/2006/main" xmlns:r="http://schemas.openxmlformats.org/officeDocument/2006/relationships" xmlns:p="http://schemas.openxmlformats.org/presentationml/2006/main">
+  <p:cSld>
+    <p:spTree>
+      <p:nvGrpSpPr>
+        <p:cNvPr id="1" name=""/>
+        <p:cNvGrpSpPr/>
+        <p:nvPr/>
+      </p:nvGrpSpPr>
+      <p:grpSpPr>
+        <a:xfrm>
+          <a:off x="0" y="0"/>
+          <a:ext cx="0" cy="0"/>
+          <a:chOff x="0" y="0"/>
+          <a:chExt cx="0" cy="0"/>
+        </a:xfrm>
+      </p:grpSpPr>
+      <p:sp>
+        <p:nvSpPr>
+          <p:cNvPr id="2" name="Titel 1"/>
+          <p:cNvSpPr>
+            <a:spLocks noGrp="1"/>
+          </p:cNvSpPr>
+          <p:nvPr>
+            <p:ph type="title"/>
+          </p:nvPr>
+        </p:nvSpPr>
+        <p:spPr/>
+        <p:txBody>
+          <a:bodyPr/>
+          <a:lstStyle/>
+          <a:p>
+            <a:r>
+              <a:rPr lang="en-GB" noProof="0" dirty="0" smtClean="0"/>
+              <a:t>Critical success</a:t>
+            </a:r>
+            <a:r>
+              <a:rPr lang="en-GB" baseline="0" noProof="0" dirty="0" smtClean="0"/>
+              <a:t> factors</a:t>
+            </a:r>
+            <a:endParaRPr lang="en-GB" noProof="0" dirty="0"/>
+          </a:p>
+        </p:txBody>
+      </p:sp>
+      <p:sp>
+        <p:nvSpPr>
+          <p:cNvPr id="3" name="Inhaltsplatzhalter 2"/>
+          <p:cNvSpPr>
+            <a:spLocks noGrp="1"/>
+          </p:cNvSpPr>
+          <p:nvPr>
+            <p:ph idx="1"/>
+          </p:nvPr>
+        </p:nvSpPr>
+        <p:spPr/>
+        <p:txBody>
+          <a:bodyPr>
+            <a:normAutofit/>
+          </a:bodyPr>
+          <a:lstStyle/>
+          <a:p>
+            <a:pPr marL="114300" indent="0">
+              <a:buNone/>
+            </a:pPr>
+            <a:r>
+              <a:rPr lang="en-GB" noProof="0" dirty="0" smtClean="0"/>
+              <a:t>(not</a:t>
+            </a:r>
+            <a:r>
+              <a:rPr lang="en-GB" baseline="0" noProof="0" dirty="0" smtClean="0"/>
+              <a:t> ordered by importance)</a:t>
+            </a:r>
+          </a:p>
+          <a:p>
+            <a:pPr marL="342900" indent="-228600"/>
+            <a:r>
+              <a:rPr lang="en-GB" baseline="0" noProof="0" dirty="0" smtClean="0"/>
+              <a:t>Common known usability</a:t>
+            </a:r>
+          </a:p>
+          <a:p>
+            <a:pPr marL="342900" indent="-228600"/>
+            <a:r>
+              <a:rPr lang="en-GB" baseline="0" noProof="0" dirty="0" smtClean="0"/>
+              <a:t>Infrastructure available</a:t>
+            </a:r>
+          </a:p>
+          <a:p>
+            <a:pPr marL="342900" indent="-228600"/>
+            <a:r>
+              <a:rPr lang="en-GB" baseline="0" noProof="0" dirty="0" smtClean="0"/>
+              <a:t>High frequent availability of internet access, webserver, </a:t>
+            </a:r>
+            <a:r>
+              <a:rPr lang="en-GB" baseline="0" noProof="0" dirty="0" err="1" smtClean="0"/>
+              <a:t>etc</a:t>
+            </a:r>
+            <a:r>
+              <a:rPr lang="en-GB" baseline="0" noProof="0" dirty="0" smtClean="0"/>
+              <a:t> -&gt; uptime goal 99.5% </a:t>
+            </a:r>
+          </a:p>
+          <a:p>
+            <a:pPr marL="342900" indent="-228600"/>
+            <a:r>
+              <a:rPr lang="en-GB" baseline="0" noProof="0" dirty="0" smtClean="0"/>
+              <a:t>Don’t break the law (data security, privacy protection)</a:t>
+            </a:r>
+          </a:p>
+          <a:p>
+            <a:pPr marL="342900" indent="-228600"/>
+            <a:r>
+              <a:rPr lang="en-GB" baseline="0" noProof="0" dirty="0" smtClean="0"/>
+              <a:t>Delivery in time of MHC-PMS</a:t>
+            </a:r>
+          </a:p>
+          <a:p>
+            <a:pPr marL="342900" indent="-228600"/>
+            <a:r>
+              <a:rPr lang="en-GB" baseline="0" noProof="0" dirty="0" smtClean="0"/>
+              <a:t>Delivery of promised features</a:t>
+            </a:r>
+          </a:p>
+          <a:p>
+            <a:pPr marL="342900" indent="-228600"/>
+            <a:r>
+              <a:rPr lang="en-GB" baseline="0" noProof="0" dirty="0" smtClean="0"/>
+              <a:t>Low or acceptable costs of infrastructure</a:t>
+            </a:r>
+          </a:p>
+          <a:p>
+            <a:pPr marL="342900" indent="-228600"/>
+            <a:r>
+              <a:rPr lang="en-GB" baseline="0" noProof="0" dirty="0" smtClean="0"/>
+              <a:t>Acceptance and aid from payer’s </a:t>
+            </a:r>
+          </a:p>
+          <a:p>
+            <a:pPr marL="342900" indent="-228600"/>
+            <a:r>
+              <a:rPr lang="en-GB" baseline="0" noProof="0" dirty="0" smtClean="0"/>
+              <a:t>Market available</a:t>
+            </a:r>
+          </a:p>
+          <a:p>
+            <a:pPr marL="342900" indent="-228600"/>
+            <a:r>
+              <a:rPr lang="en-GB" baseline="0" noProof="0" dirty="0" smtClean="0"/>
+              <a:t>Working project management</a:t>
+            </a:r>
+          </a:p>
+          <a:p>
+            <a:pPr marL="114300" indent="0">
+              <a:buNone/>
+            </a:pPr>
+            <a:endParaRPr lang="en-GB" baseline="0" noProof="0" dirty="0" smtClean="0"/>
+          </a:p>
+        </p:txBody>
+      </p:sp>
+      <p:sp>
+        <p:nvSpPr>
+          <p:cNvPr id="4" name="Foliennummernplatzhalter 3"/>
+          <p:cNvSpPr>
+            <a:spLocks noGrp="1"/>
+          </p:cNvSpPr>
+          <p:nvPr>
+            <p:ph type="sldNum" sz="quarter" idx="12"/>
+          </p:nvPr>
+        </p:nvSpPr>
+        <p:spPr/>
+        <p:txBody>
+          <a:bodyPr/>
+          <a:lstStyle/>
+          <a:p>
+            <a:fld id="{6E2D2B3B-882E-40F3-A32F-6DD516915044}" type="slidenum">
+              <a:rPr lang="en-US" smtClean="0"/>
+              <a:pPr/>
+              <a:t>4</a:t>
+            </a:fld>
+            <a:endParaRPr lang="en-US" dirty="0"/>
+          </a:p>
+        </p:txBody>
+      </p:sp>
+    </p:spTree>
+    <p:extLst>
+      <p:ext uri="{BB962C8B-B14F-4D97-AF65-F5344CB8AC3E}">
+        <p14:creationId xmlns:p14="http://schemas.microsoft.com/office/powerpoint/2010/main" val="1677081277"/>
+      </p:ext>
+    </p:extLst>
+  </p:cSld>
+  <p:clrMapOvr>
+    <a:masterClrMapping/>
+  </p:clrMapOvr>
+</p:sld>
+</file>
+
+<file path=ppt/slides/slide5.xml><?xml version="1.0" encoding="utf-8"?>
+<p:sld xmlns:a="http://schemas.openxmlformats.org/drawingml/2006/main" xmlns:r="http://schemas.openxmlformats.org/officeDocument/2006/relationships" xmlns:p="http://schemas.openxmlformats.org/presentationml/2006/main">
+  <p:cSld>
+    <p:spTree>
+      <p:nvGrpSpPr>
+        <p:cNvPr id="1" name=""/>
+        <p:cNvGrpSpPr/>
+        <p:nvPr/>
+      </p:nvGrpSpPr>
+      <p:grpSpPr>
+        <a:xfrm>
+          <a:off x="0" y="0"/>
+          <a:ext cx="0" cy="0"/>
+          <a:chOff x="0" y="0"/>
+          <a:chExt cx="0" cy="0"/>
+        </a:xfrm>
+      </p:grpSpPr>
+      <p:sp>
+        <p:nvSpPr>
+          <p:cNvPr id="2" name="Titel 1"/>
+          <p:cNvSpPr>
+            <a:spLocks noGrp="1"/>
+          </p:cNvSpPr>
+          <p:nvPr>
+            <p:ph type="title"/>
+          </p:nvPr>
+        </p:nvSpPr>
+        <p:spPr/>
+        <p:txBody>
+          <a:bodyPr/>
+          <a:lstStyle/>
+          <a:p>
+            <a:r>
+              <a:rPr lang="en-GB" noProof="0" dirty="0" smtClean="0"/>
+              <a:t>Potential system components </a:t>
+            </a:r>
+            <a:endParaRPr lang="en-GB" noProof="0" dirty="0"/>
+          </a:p>
+        </p:txBody>
+      </p:sp>
+      <p:sp>
+        <p:nvSpPr>
+          <p:cNvPr id="3" name="Inhaltsplatzhalter 2"/>
+          <p:cNvSpPr>
+            <a:spLocks noGrp="1"/>
+          </p:cNvSpPr>
+          <p:nvPr>
+            <p:ph idx="1"/>
+          </p:nvPr>
+        </p:nvSpPr>
+        <p:spPr/>
+        <p:txBody>
+          <a:bodyPr/>
+          <a:lstStyle/>
+          <a:p>
+            <a:r>
+              <a:rPr lang="de-CH" dirty="0" smtClean="0"/>
+              <a:t>Clients</a:t>
+            </a:r>
+          </a:p>
+          <a:p>
+            <a:pPr lvl="1"/>
+            <a:r>
+              <a:rPr lang="en-GB" noProof="0" dirty="0" smtClean="0"/>
+              <a:t>Including</a:t>
+            </a:r>
+            <a:r>
+              <a:rPr lang="en-GB" baseline="0" noProof="0" dirty="0" smtClean="0"/>
+              <a:t> devices like barcode </a:t>
+            </a:r>
+            <a:r>
+              <a:rPr lang="en-GB" baseline="0" noProof="0" dirty="0" err="1" smtClean="0"/>
+              <a:t>scaners</a:t>
+            </a:r>
+            <a:r>
+              <a:rPr lang="en-GB" baseline="0" noProof="0" dirty="0" smtClean="0"/>
+              <a:t>, scanners, printers, cameras</a:t>
+            </a:r>
+          </a:p>
+          <a:p>
+            <a:pPr lvl="1"/>
+            <a:r>
+              <a:rPr lang="en-GB" baseline="0" noProof="0" dirty="0" smtClean="0"/>
+              <a:t>Environment like OS, architecture, Java Version needs to be defined</a:t>
+            </a:r>
+          </a:p>
+          <a:p>
+            <a:pPr lvl="0"/>
+            <a:r>
+              <a:rPr lang="en-GB" noProof="0" dirty="0" smtClean="0"/>
+              <a:t>Servers</a:t>
+            </a:r>
+          </a:p>
+          <a:p>
+            <a:pPr lvl="1"/>
+            <a:r>
+              <a:rPr lang="en-GB" noProof="0" dirty="0" smtClean="0"/>
+              <a:t>Representing DB-Server,</a:t>
+            </a:r>
+            <a:r>
+              <a:rPr lang="en-GB" baseline="0" noProof="0" dirty="0" smtClean="0"/>
+              <a:t> Webserver, Fileserver, </a:t>
+            </a:r>
+            <a:r>
+              <a:rPr lang="en-GB" baseline="0" noProof="0" dirty="0" err="1" smtClean="0"/>
+              <a:t>Printserver</a:t>
+            </a:r>
+            <a:r>
+              <a:rPr lang="en-GB" baseline="0" noProof="0" dirty="0" smtClean="0"/>
+              <a:t>, etc.</a:t>
+            </a:r>
+          </a:p>
+          <a:p>
+            <a:pPr lvl="1"/>
+            <a:r>
+              <a:rPr lang="en-GB" baseline="0" noProof="0" dirty="0" smtClean="0"/>
+              <a:t>Define services, architecture, OS, </a:t>
+            </a:r>
+            <a:r>
+              <a:rPr lang="en-GB" baseline="0" noProof="0" dirty="0" err="1" smtClean="0"/>
+              <a:t>etc</a:t>
+            </a:r>
+            <a:endParaRPr lang="en-GB" baseline="0" noProof="0" dirty="0" smtClean="0"/>
+          </a:p>
+          <a:p>
+            <a:pPr lvl="0"/>
+            <a:r>
+              <a:rPr lang="en-GB" noProof="0" dirty="0" smtClean="0"/>
+              <a:t>Network communication</a:t>
+            </a:r>
+          </a:p>
+          <a:p>
+            <a:pPr lvl="1"/>
+            <a:r>
+              <a:rPr lang="en-GB" noProof="0" dirty="0" smtClean="0"/>
+              <a:t>Internet </a:t>
+            </a:r>
+            <a:r>
+              <a:rPr lang="en-GB" noProof="0" dirty="0" err="1" smtClean="0"/>
+              <a:t>acces</a:t>
+            </a:r>
+            <a:r>
+              <a:rPr lang="en-GB" noProof="0" dirty="0" smtClean="0"/>
+              <a:t>,</a:t>
+            </a:r>
+            <a:r>
+              <a:rPr lang="en-GB" baseline="0" noProof="0" dirty="0" smtClean="0"/>
+              <a:t> local area network connection, routing, DNS, etc.</a:t>
+            </a:r>
+          </a:p>
+        </p:txBody>
+      </p:sp>
+      <p:sp>
+        <p:nvSpPr>
+          <p:cNvPr id="4" name="Foliennummernplatzhalter 3"/>
+          <p:cNvSpPr>
+            <a:spLocks noGrp="1"/>
+          </p:cNvSpPr>
+          <p:nvPr>
+            <p:ph type="sldNum" sz="quarter" idx="12"/>
+          </p:nvPr>
+        </p:nvSpPr>
+        <p:spPr/>
+        <p:txBody>
+          <a:bodyPr/>
+          <a:lstStyle/>
+          <a:p>
+            <a:fld id="{6E2D2B3B-882E-40F3-A32F-6DD516915044}" type="slidenum">
+              <a:rPr lang="en-US" smtClean="0"/>
+              <a:pPr/>
+              <a:t>5</a:t>
+            </a:fld>
+            <a:endParaRPr lang="en-US" dirty="0"/>
+          </a:p>
+        </p:txBody>
+      </p:sp>
+    </p:spTree>
+    <p:extLst>
+      <p:ext uri="{BB962C8B-B14F-4D97-AF65-F5344CB8AC3E}">
+        <p14:creationId xmlns:p14="http://schemas.microsoft.com/office/powerpoint/2010/main" val="3404555890"/>
+      </p:ext>
+    </p:extLst>
+  </p:cSld>
+  <p:clrMapOvr>
+    <a:masterClrMapping/>
+  </p:clrMapOvr>
+</p:sld>
+</file>
+
+<file path=ppt/slides/slide6.xml><?xml version="1.0" encoding="utf-8"?>
+<p:sld xmlns:a="http://schemas.openxmlformats.org/drawingml/2006/main" xmlns:r="http://schemas.openxmlformats.org/officeDocument/2006/relationships" xmlns:p="http://schemas.openxmlformats.org/presentationml/2006/main">
+  <p:cSld>
+    <p:spTree>
+      <p:nvGrpSpPr>
+        <p:cNvPr id="1" name=""/>
+        <p:cNvGrpSpPr/>
+        <p:nvPr/>
+      </p:nvGrpSpPr>
+      <p:grpSpPr>
+        <a:xfrm>
+          <a:off x="0" y="0"/>
+          <a:ext cx="0" cy="0"/>
+          <a:chOff x="0" y="0"/>
+          <a:chExt cx="0" cy="0"/>
+        </a:xfrm>
+      </p:grpSpPr>
+      <p:sp>
+        <p:nvSpPr>
+          <p:cNvPr id="2" name="Titel 1"/>
+          <p:cNvSpPr>
+            <a:spLocks noGrp="1"/>
+          </p:cNvSpPr>
+          <p:nvPr>
+            <p:ph type="title"/>
+          </p:nvPr>
+        </p:nvSpPr>
+        <p:spPr/>
+        <p:txBody>
+          <a:bodyPr/>
+          <a:lstStyle/>
+          <a:p>
+            <a:r>
+              <a:rPr lang="de-CH" dirty="0" smtClean="0"/>
+              <a:t>High-</a:t>
+            </a:r>
+            <a:r>
+              <a:rPr lang="de-CH" baseline="0" dirty="0" smtClean="0"/>
+              <a:t>level </a:t>
+            </a:r>
+            <a:r>
+              <a:rPr lang="en-GB" baseline="0" noProof="0" dirty="0" smtClean="0"/>
+              <a:t>architecture</a:t>
+            </a:r>
+            <a:endParaRPr lang="en-GB" noProof="0" dirty="0"/>
+          </a:p>
+        </p:txBody>
+      </p:sp>
+      <p:sp>
+        <p:nvSpPr>
+          <p:cNvPr id="3" name="Inhaltsplatzhalter 2"/>
+          <p:cNvSpPr>
+            <a:spLocks noGrp="1"/>
+          </p:cNvSpPr>
+          <p:nvPr>
+            <p:ph idx="1"/>
+          </p:nvPr>
+        </p:nvSpPr>
+        <p:spPr/>
+        <p:txBody>
+          <a:bodyPr/>
+          <a:lstStyle/>
+          <a:p>
+            <a:r>
+              <a:rPr lang="en-GB" noProof="0" dirty="0" smtClean="0"/>
+              <a:t>Database</a:t>
+            </a:r>
+          </a:p>
+          <a:p>
+            <a:pPr lvl="1"/>
+            <a:r>
+              <a:rPr lang="en-GB" noProof="0" dirty="0" smtClean="0"/>
+              <a:t>Details needs to</a:t>
+            </a:r>
+            <a:r>
+              <a:rPr lang="en-GB" baseline="0" noProof="0" dirty="0" smtClean="0"/>
+              <a:t> be defined (MSSQL, MySQL..)</a:t>
+            </a:r>
+          </a:p>
+          <a:p>
+            <a:pPr lvl="0"/>
+            <a:r>
+              <a:rPr lang="en-GB" noProof="0" dirty="0" smtClean="0"/>
+              <a:t>Business logic</a:t>
+            </a:r>
+          </a:p>
+          <a:p>
+            <a:pPr lvl="1"/>
+            <a:r>
+              <a:rPr lang="en-GB" noProof="0" dirty="0" smtClean="0"/>
+              <a:t>Either in DB as functions, procedures, </a:t>
+            </a:r>
+            <a:r>
+              <a:rPr lang="en-GB" noProof="0" dirty="0" err="1" smtClean="0"/>
+              <a:t>dll’s</a:t>
+            </a:r>
+            <a:r>
+              <a:rPr lang="en-GB" noProof="0" dirty="0" smtClean="0"/>
+              <a:t> or  separate layer</a:t>
+            </a:r>
+            <a:r>
+              <a:rPr lang="en-GB" baseline="0" noProof="0" dirty="0" smtClean="0"/>
+              <a:t> written in Java</a:t>
+            </a:r>
+          </a:p>
+          <a:p>
+            <a:pPr lvl="0"/>
+            <a:r>
+              <a:rPr lang="en-GB" noProof="0" dirty="0" smtClean="0"/>
+              <a:t>Interfaces</a:t>
+            </a:r>
+          </a:p>
+          <a:p>
+            <a:pPr lvl="1"/>
+            <a:r>
+              <a:rPr lang="en-GB" noProof="0" dirty="0" smtClean="0"/>
+              <a:t>User interface</a:t>
+            </a:r>
+            <a:r>
+              <a:rPr lang="en-GB" baseline="0" noProof="0" dirty="0" smtClean="0"/>
+              <a:t> in Java</a:t>
+            </a:r>
+          </a:p>
+          <a:p>
+            <a:pPr lvl="1"/>
+            <a:r>
+              <a:rPr lang="de-CH" baseline="0" dirty="0" smtClean="0"/>
+              <a:t>Other </a:t>
+            </a:r>
+            <a:r>
+              <a:rPr lang="en-GB" baseline="0" noProof="0" dirty="0" smtClean="0"/>
+              <a:t>interfaces</a:t>
+            </a:r>
+            <a:r>
+              <a:rPr lang="de-CH" baseline="0" dirty="0" smtClean="0"/>
+              <a:t> </a:t>
+            </a:r>
+            <a:r>
+              <a:rPr lang="de-CH" baseline="0" dirty="0" err="1" smtClean="0"/>
+              <a:t>for</a:t>
+            </a:r>
+            <a:r>
+              <a:rPr lang="de-CH" baseline="0" dirty="0" smtClean="0"/>
+              <a:t> </a:t>
+            </a:r>
+            <a:r>
+              <a:rPr lang="de-CH" baseline="0" dirty="0" err="1" smtClean="0"/>
+              <a:t>webservices</a:t>
+            </a:r>
+            <a:r>
+              <a:rPr lang="de-CH" baseline="0" dirty="0" smtClean="0"/>
+              <a:t>, JDBC, </a:t>
+            </a:r>
+            <a:r>
+              <a:rPr lang="de-CH" baseline="0" dirty="0" err="1" smtClean="0"/>
+              <a:t>etc</a:t>
+            </a:r>
+            <a:r>
+              <a:rPr lang="de-CH" baseline="0" dirty="0" smtClean="0"/>
+              <a:t> </a:t>
+            </a:r>
+            <a:r>
+              <a:rPr lang="en-GB" baseline="0" noProof="0" dirty="0" smtClean="0"/>
+              <a:t>needs</a:t>
+            </a:r>
+            <a:r>
+              <a:rPr lang="de-CH" baseline="0" dirty="0" smtClean="0"/>
+              <a:t> </a:t>
+            </a:r>
+            <a:r>
+              <a:rPr lang="de-CH" baseline="0" dirty="0" err="1" smtClean="0"/>
+              <a:t>to</a:t>
+            </a:r>
+            <a:r>
+              <a:rPr lang="de-CH" baseline="0" dirty="0" smtClean="0"/>
+              <a:t> </a:t>
+            </a:r>
+            <a:r>
+              <a:rPr lang="de-CH" baseline="0" dirty="0" err="1" smtClean="0"/>
+              <a:t>be</a:t>
+            </a:r>
+            <a:r>
+              <a:rPr lang="de-CH" baseline="0" dirty="0" smtClean="0"/>
+              <a:t> </a:t>
+            </a:r>
+            <a:r>
+              <a:rPr lang="de-CH" baseline="0" dirty="0" err="1" smtClean="0"/>
+              <a:t>defined</a:t>
+            </a:r>
+            <a:endParaRPr lang="de-CH" dirty="0"/>
+          </a:p>
+        </p:txBody>
+      </p:sp>
+      <p:sp>
+        <p:nvSpPr>
+          <p:cNvPr id="4" name="Foliennummernplatzhalter 3"/>
+          <p:cNvSpPr>
+            <a:spLocks noGrp="1"/>
+          </p:cNvSpPr>
+          <p:nvPr>
+            <p:ph type="sldNum" sz="quarter" idx="12"/>
+          </p:nvPr>
+        </p:nvSpPr>
+        <p:spPr/>
+        <p:txBody>
+          <a:bodyPr/>
+          <a:lstStyle/>
+          <a:p>
+            <a:fld id="{6E2D2B3B-882E-40F3-A32F-6DD516915044}" type="slidenum">
+              <a:rPr lang="en-US" smtClean="0"/>
+              <a:pPr/>
+              <a:t>6</a:t>
+            </a:fld>
+            <a:endParaRPr lang="en-US" dirty="0"/>
+          </a:p>
+        </p:txBody>
+      </p:sp>
+    </p:spTree>
+    <p:extLst>
+      <p:ext uri="{BB962C8B-B14F-4D97-AF65-F5344CB8AC3E}">
+        <p14:creationId xmlns:p14="http://schemas.microsoft.com/office/powerpoint/2010/main" val="1046131973"/>
+      </p:ext>
+    </p:extLst>
+  </p:cSld>
+  <p:clrMapOvr>
+    <a:masterClrMapping/>
+  </p:clrMapOvr>
 </p:sld>
 </file>
 
